--- a/docs/diagrams/ModelComponentClassDiagram.pptx
+++ b/docs/diagrams/ModelComponentClassDiagram.pptx
@@ -208,7 +208,7 @@
           <a:p>
             <a:fld id="{F5CC4B3F-88C1-4FFA-B1B6-F41C21DC6924}" type="datetimeFigureOut">
               <a:rPr lang="en-US" smtClean="0"/>
-              <a:t>21-Oct-18</a:t>
+              <a:t>13-Nov-18</a:t>
             </a:fld>
             <a:endParaRPr lang="en-US"/>
           </a:p>
@@ -654,7 +654,7 @@
           <a:p>
             <a:fld id="{78C97017-6FC3-485B-9764-EAC9E56C1D49}" type="datetimeFigureOut">
               <a:rPr lang="en-US" smtClean="0"/>
-              <a:t>21-Oct-18</a:t>
+              <a:t>13-Nov-18</a:t>
             </a:fld>
             <a:endParaRPr lang="en-US"/>
           </a:p>
@@ -822,7 +822,7 @@
           <a:p>
             <a:fld id="{78C97017-6FC3-485B-9764-EAC9E56C1D49}" type="datetimeFigureOut">
               <a:rPr lang="en-US" smtClean="0"/>
-              <a:t>21-Oct-18</a:t>
+              <a:t>13-Nov-18</a:t>
             </a:fld>
             <a:endParaRPr lang="en-US"/>
           </a:p>
@@ -1000,7 +1000,7 @@
           <a:p>
             <a:fld id="{78C97017-6FC3-485B-9764-EAC9E56C1D49}" type="datetimeFigureOut">
               <a:rPr lang="en-US" smtClean="0"/>
-              <a:t>21-Oct-18</a:t>
+              <a:t>13-Nov-18</a:t>
             </a:fld>
             <a:endParaRPr lang="en-US"/>
           </a:p>
@@ -1168,7 +1168,7 @@
           <a:p>
             <a:fld id="{78C97017-6FC3-485B-9764-EAC9E56C1D49}" type="datetimeFigureOut">
               <a:rPr lang="en-US" smtClean="0"/>
-              <a:t>21-Oct-18</a:t>
+              <a:t>13-Nov-18</a:t>
             </a:fld>
             <a:endParaRPr lang="en-US"/>
           </a:p>
@@ -1413,7 +1413,7 @@
           <a:p>
             <a:fld id="{78C97017-6FC3-485B-9764-EAC9E56C1D49}" type="datetimeFigureOut">
               <a:rPr lang="en-US" smtClean="0"/>
-              <a:t>21-Oct-18</a:t>
+              <a:t>13-Nov-18</a:t>
             </a:fld>
             <a:endParaRPr lang="en-US"/>
           </a:p>
@@ -1698,7 +1698,7 @@
           <a:p>
             <a:fld id="{78C97017-6FC3-485B-9764-EAC9E56C1D49}" type="datetimeFigureOut">
               <a:rPr lang="en-US" smtClean="0"/>
-              <a:t>21-Oct-18</a:t>
+              <a:t>13-Nov-18</a:t>
             </a:fld>
             <a:endParaRPr lang="en-US"/>
           </a:p>
@@ -2117,7 +2117,7 @@
           <a:p>
             <a:fld id="{78C97017-6FC3-485B-9764-EAC9E56C1D49}" type="datetimeFigureOut">
               <a:rPr lang="en-US" smtClean="0"/>
-              <a:t>21-Oct-18</a:t>
+              <a:t>13-Nov-18</a:t>
             </a:fld>
             <a:endParaRPr lang="en-US"/>
           </a:p>
@@ -2234,7 +2234,7 @@
           <a:p>
             <a:fld id="{78C97017-6FC3-485B-9764-EAC9E56C1D49}" type="datetimeFigureOut">
               <a:rPr lang="en-US" smtClean="0"/>
-              <a:t>21-Oct-18</a:t>
+              <a:t>13-Nov-18</a:t>
             </a:fld>
             <a:endParaRPr lang="en-US"/>
           </a:p>
@@ -2329,7 +2329,7 @@
           <a:p>
             <a:fld id="{78C97017-6FC3-485B-9764-EAC9E56C1D49}" type="datetimeFigureOut">
               <a:rPr lang="en-US" smtClean="0"/>
-              <a:t>21-Oct-18</a:t>
+              <a:t>13-Nov-18</a:t>
             </a:fld>
             <a:endParaRPr lang="en-US"/>
           </a:p>
@@ -2604,7 +2604,7 @@
           <a:p>
             <a:fld id="{78C97017-6FC3-485B-9764-EAC9E56C1D49}" type="datetimeFigureOut">
               <a:rPr lang="en-US" smtClean="0"/>
-              <a:t>21-Oct-18</a:t>
+              <a:t>13-Nov-18</a:t>
             </a:fld>
             <a:endParaRPr lang="en-US"/>
           </a:p>
@@ -2856,7 +2856,7 @@
           <a:p>
             <a:fld id="{78C97017-6FC3-485B-9764-EAC9E56C1D49}" type="datetimeFigureOut">
               <a:rPr lang="en-US" smtClean="0"/>
-              <a:t>21-Oct-18</a:t>
+              <a:t>13-Nov-18</a:t>
             </a:fld>
             <a:endParaRPr lang="en-US"/>
           </a:p>
@@ -3067,7 +3067,7 @@
           <a:p>
             <a:fld id="{78C97017-6FC3-485B-9764-EAC9E56C1D49}" type="datetimeFigureOut">
               <a:rPr lang="en-US" smtClean="0"/>
-              <a:t>21-Oct-18</a:t>
+              <a:t>13-Nov-18</a:t>
             </a:fld>
             <a:endParaRPr lang="en-US"/>
           </a:p>
@@ -3451,7 +3451,7 @@
         <p:spPr>
           <a:xfrm>
             <a:off x="1119865" y="1600200"/>
-            <a:ext cx="7490735" cy="3352800"/>
+            <a:ext cx="7490735" cy="4032880"/>
           </a:xfrm>
           <a:prstGeom prst="roundRect">
             <a:avLst>
@@ -3999,7 +3999,7 @@
                   <a:srgbClr val="7030A0"/>
                 </a:solidFill>
               </a:rPr>
-              <a:t>VersionedAddressBook</a:t>
+              <a:t>HealthBase</a:t>
             </a:r>
             <a:endParaRPr lang="en-SG" sz="1050" dirty="0">
               <a:solidFill>
@@ -4774,61 +4774,18 @@
           </a:fontRef>
         </p:style>
       </p:cxnSp>
-      <p:cxnSp>
-        <p:nvCxnSpPr>
-          <p:cNvPr id="97" name="Elbow Connector 63"/>
-          <p:cNvCxnSpPr>
-            <a:stCxn id="99" idx="3"/>
-          </p:cNvCxnSpPr>
-          <p:nvPr/>
-        </p:nvCxnSpPr>
-        <p:spPr>
-          <a:xfrm rot="5400000">
-            <a:off x="3553611" y="2687559"/>
-            <a:ext cx="293825" cy="5938"/>
-          </a:xfrm>
-          <a:prstGeom prst="bentConnector3">
-            <a:avLst>
-              <a:gd name="adj1" fmla="val 50000"/>
-            </a:avLst>
-          </a:prstGeom>
-          <a:ln w="19050">
-            <a:solidFill>
-              <a:srgbClr val="7030A0"/>
-            </a:solidFill>
-            <a:prstDash val="sysDot"/>
-            <a:headEnd type="none" w="med" len="med"/>
-            <a:tailEnd type="none" w="med" len="med"/>
-          </a:ln>
-          <a:effectLst/>
-        </p:spPr>
-        <p:style>
-          <a:lnRef idx="1">
-            <a:schemeClr val="accent2"/>
-          </a:lnRef>
-          <a:fillRef idx="2">
-            <a:schemeClr val="accent2"/>
-          </a:fillRef>
-          <a:effectRef idx="1">
-            <a:schemeClr val="accent2"/>
-          </a:effectRef>
-          <a:fontRef idx="minor">
-            <a:schemeClr val="dk1"/>
-          </a:fontRef>
-        </p:style>
-      </p:cxnSp>
-      <p:sp>
-        <p:nvSpPr>
-          <p:cNvPr id="99" name="Isosceles Triangle 102"/>
+      <p:sp>
+        <p:nvSpPr>
+          <p:cNvPr id="100" name="Rectangle 8"/>
           <p:cNvSpPr/>
           <p:nvPr/>
         </p:nvSpPr>
         <p:spPr>
-          <a:xfrm rot="10800000" flipV="1">
-            <a:off x="3562299" y="2386554"/>
-            <a:ext cx="282387" cy="157062"/>
-          </a:xfrm>
-          <a:prstGeom prst="triangle">
+          <a:xfrm>
+            <a:off x="1260922" y="1998350"/>
+            <a:ext cx="1443661" cy="364396"/>
+          </a:xfrm>
+          <a:prstGeom prst="rect">
             <a:avLst/>
           </a:prstGeom>
           <a:ln w="19050">
@@ -4857,9 +4814,32 @@
           <a:lstStyle/>
           <a:p>
             <a:pPr algn="ctr"/>
-            <a:endParaRPr lang="en-SG" sz="1050" b="1">
+            <a:r>
+              <a:rPr lang="en-US" sz="1050" dirty="0">
+                <a:solidFill>
+                  <a:srgbClr val="7030A0"/>
+                </a:solidFill>
+              </a:rPr>
+              <a:t>&lt;&lt;interface&gt;&gt;</a:t>
+            </a:r>
+            <a:br>
+              <a:rPr lang="en-US" sz="1050" dirty="0">
+                <a:solidFill>
+                  <a:srgbClr val="7030A0"/>
+                </a:solidFill>
+              </a:rPr>
+            </a:br>
+            <a:r>
+              <a:rPr lang="en-US" sz="1050" dirty="0" err="1">
+                <a:solidFill>
+                  <a:srgbClr val="7030A0"/>
+                </a:solidFill>
+              </a:rPr>
+              <a:t>ReadOnlyHealthBase</a:t>
+            </a:r>
+            <a:endParaRPr lang="en-SG" sz="1050" dirty="0">
               <a:solidFill>
-                <a:srgbClr val="92D050"/>
+                <a:srgbClr val="7030A0"/>
               </a:solidFill>
             </a:endParaRPr>
           </a:p>
@@ -4867,14 +4847,53 @@
       </p:sp>
       <p:sp>
         <p:nvSpPr>
-          <p:cNvPr id="100" name="Rectangle 8"/>
+          <p:cNvPr id="114" name="TextBox 113"/>
+          <p:cNvSpPr txBox="1"/>
+          <p:nvPr/>
+        </p:nvSpPr>
+        <p:spPr>
+          <a:xfrm rot="16200000">
+            <a:off x="6362886" y="3586305"/>
+            <a:ext cx="881018" cy="261610"/>
+          </a:xfrm>
+          <a:prstGeom prst="rect">
+            <a:avLst/>
+          </a:prstGeom>
+          <a:noFill/>
+        </p:spPr>
+        <p:txBody>
+          <a:bodyPr wrap="square" rtlCol="0">
+            <a:spAutoFit/>
+          </a:bodyPr>
+          <a:lstStyle/>
+          <a:p>
+            <a:pPr algn="r"/>
+            <a:r>
+              <a:rPr lang="en-US" sz="1100" dirty="0">
+                <a:solidFill>
+                  <a:srgbClr val="7030A0"/>
+                </a:solidFill>
+              </a:rPr>
+              <a:t>filtered list</a:t>
+            </a:r>
+            <a:endParaRPr lang="en-SG" sz="1100" dirty="0">
+              <a:solidFill>
+                <a:srgbClr val="7030A0"/>
+              </a:solidFill>
+            </a:endParaRPr>
+          </a:p>
+        </p:txBody>
+      </p:sp>
+      <p:sp>
+        <p:nvSpPr>
+          <p:cNvPr id="122" name="Rectangle 8"/>
           <p:cNvSpPr/>
           <p:nvPr/>
         </p:nvSpPr>
         <p:spPr>
           <a:xfrm>
-            <a:off x="1260922" y="1998350"/>
-            <a:ext cx="1443661" cy="364396"/>
+            <a:off x="2057401" y="4239491"/>
+            <a:ext cx="1066800" cy="346760"/>
           </a:xfrm>
           <a:prstGeom prst="rect">
             <a:avLst/>
@@ -4914,116 +4933,6 @@
               <a:t>&lt;&lt;interface&gt;&gt;</a:t>
             </a:r>
             <a:br>
-              <a:rPr lang="en-US" sz="1050" dirty="0">
-                <a:solidFill>
-                  <a:srgbClr val="7030A0"/>
-                </a:solidFill>
-              </a:rPr>
-            </a:br>
-            <a:r>
-              <a:rPr lang="en-US" sz="1050" dirty="0" err="1">
-                <a:solidFill>
-                  <a:srgbClr val="7030A0"/>
-                </a:solidFill>
-              </a:rPr>
-              <a:t>ReadOnlyAddressBook</a:t>
-            </a:r>
-            <a:endParaRPr lang="en-SG" sz="1050" dirty="0">
-              <a:solidFill>
-                <a:srgbClr val="7030A0"/>
-              </a:solidFill>
-            </a:endParaRPr>
-          </a:p>
-        </p:txBody>
-      </p:sp>
-      <p:sp>
-        <p:nvSpPr>
-          <p:cNvPr id="114" name="TextBox 113"/>
-          <p:cNvSpPr txBox="1"/>
-          <p:nvPr/>
-        </p:nvSpPr>
-        <p:spPr>
-          <a:xfrm rot="16200000">
-            <a:off x="6362886" y="3586305"/>
-            <a:ext cx="881018" cy="261610"/>
-          </a:xfrm>
-          <a:prstGeom prst="rect">
-            <a:avLst/>
-          </a:prstGeom>
-          <a:noFill/>
-        </p:spPr>
-        <p:txBody>
-          <a:bodyPr wrap="square" rtlCol="0">
-            <a:spAutoFit/>
-          </a:bodyPr>
-          <a:lstStyle/>
-          <a:p>
-            <a:pPr algn="r"/>
-            <a:r>
-              <a:rPr lang="en-US" sz="1100" dirty="0">
-                <a:solidFill>
-                  <a:srgbClr val="7030A0"/>
-                </a:solidFill>
-              </a:rPr>
-              <a:t>filtered list</a:t>
-            </a:r>
-            <a:endParaRPr lang="en-SG" sz="1100" dirty="0">
-              <a:solidFill>
-                <a:srgbClr val="7030A0"/>
-              </a:solidFill>
-            </a:endParaRPr>
-          </a:p>
-        </p:txBody>
-      </p:sp>
-      <p:sp>
-        <p:nvSpPr>
-          <p:cNvPr id="122" name="Rectangle 8"/>
-          <p:cNvSpPr/>
-          <p:nvPr/>
-        </p:nvSpPr>
-        <p:spPr>
-          <a:xfrm>
-            <a:off x="2057401" y="4239491"/>
-            <a:ext cx="1066800" cy="346760"/>
-          </a:xfrm>
-          <a:prstGeom prst="rect">
-            <a:avLst/>
-          </a:prstGeom>
-          <a:ln w="19050">
-            <a:solidFill>
-              <a:srgbClr val="7030A0"/>
-            </a:solidFill>
-          </a:ln>
-          <a:effectLst/>
-        </p:spPr>
-        <p:style>
-          <a:lnRef idx="1">
-            <a:schemeClr val="accent4"/>
-          </a:lnRef>
-          <a:fillRef idx="2">
-            <a:schemeClr val="accent4"/>
-          </a:fillRef>
-          <a:effectRef idx="1">
-            <a:schemeClr val="accent4"/>
-          </a:effectRef>
-          <a:fontRef idx="minor">
-            <a:schemeClr val="dk1"/>
-          </a:fontRef>
-        </p:style>
-        <p:txBody>
-          <a:bodyPr rtlCol="0" anchor="ctr"/>
-          <a:lstStyle/>
-          <a:p>
-            <a:pPr algn="ctr"/>
-            <a:r>
-              <a:rPr lang="en-US" sz="1050" dirty="0">
-                <a:solidFill>
-                  <a:srgbClr val="7030A0"/>
-                </a:solidFill>
-              </a:rPr>
-              <a:t>&lt;&lt;interface&gt;&gt;</a:t>
-            </a:r>
-            <a:br>
               <a:rPr lang="en-US" sz="1050">
                 <a:solidFill>
                   <a:srgbClr val="7030A0"/>
@@ -5297,7 +5206,7 @@
         </p:nvSpPr>
         <p:spPr>
           <a:xfrm>
-            <a:off x="7712397" y="2228817"/>
+            <a:off x="7712394" y="1855458"/>
             <a:ext cx="708186" cy="285783"/>
           </a:xfrm>
           <a:prstGeom prst="rect">
@@ -5363,8 +5272,8 @@
         </p:nvCxnSpPr>
         <p:spPr>
           <a:xfrm flipV="1">
-            <a:off x="7277995" y="2371709"/>
-            <a:ext cx="434402" cy="663182"/>
+            <a:off x="7277995" y="1998350"/>
+            <a:ext cx="434399" cy="1036541"/>
           </a:xfrm>
           <a:prstGeom prst="bentConnector3">
             <a:avLst>
@@ -5409,7 +5318,7 @@
         </p:nvSpPr>
         <p:spPr>
           <a:xfrm>
-            <a:off x="7466243" y="2255711"/>
+            <a:off x="7471701" y="1855458"/>
             <a:ext cx="189257" cy="178683"/>
           </a:xfrm>
           <a:prstGeom prst="rect">
@@ -5433,62 +5342,6 @@
               <a:t>*</a:t>
             </a:r>
             <a:endParaRPr lang="en-SG" sz="1100" dirty="0">
-              <a:solidFill>
-                <a:srgbClr val="7030A0"/>
-              </a:solidFill>
-            </a:endParaRPr>
-          </a:p>
-        </p:txBody>
-      </p:sp>
-      <p:sp>
-        <p:nvSpPr>
-          <p:cNvPr id="55" name="Rectangle 8"/>
-          <p:cNvSpPr/>
-          <p:nvPr/>
-        </p:nvSpPr>
-        <p:spPr>
-          <a:xfrm>
-            <a:off x="3170181" y="1998350"/>
-            <a:ext cx="1060683" cy="364396"/>
-          </a:xfrm>
-          <a:prstGeom prst="rect">
-            <a:avLst/>
-          </a:prstGeom>
-          <a:ln w="19050">
-            <a:solidFill>
-              <a:srgbClr val="7030A0"/>
-            </a:solidFill>
-          </a:ln>
-          <a:effectLst/>
-        </p:spPr>
-        <p:style>
-          <a:lnRef idx="1">
-            <a:schemeClr val="accent4"/>
-          </a:lnRef>
-          <a:fillRef idx="2">
-            <a:schemeClr val="accent4"/>
-          </a:fillRef>
-          <a:effectRef idx="1">
-            <a:schemeClr val="accent4"/>
-          </a:effectRef>
-          <a:fontRef idx="minor">
-            <a:schemeClr val="dk1"/>
-          </a:fontRef>
-        </p:style>
-        <p:txBody>
-          <a:bodyPr rtlCol="0" anchor="ctr"/>
-          <a:lstStyle/>
-          <a:p>
-            <a:pPr algn="ctr"/>
-            <a:r>
-              <a:rPr lang="en-US" sz="1050" dirty="0" err="1">
-                <a:solidFill>
-                  <a:srgbClr val="7030A0"/>
-                </a:solidFill>
-              </a:rPr>
-              <a:t>AddressBook</a:t>
-            </a:r>
-            <a:endParaRPr lang="en-SG" sz="1050" dirty="0">
               <a:solidFill>
                 <a:srgbClr val="7030A0"/>
               </a:solidFill>
@@ -5593,20 +5446,19 @@
         <p:nvCxnSpPr>
           <p:cNvPr id="69" name="Elbow Connector 63"/>
           <p:cNvCxnSpPr>
+            <a:cxnSpLocks/>
             <a:stCxn id="68" idx="3"/>
-            <a:endCxn id="55" idx="1"/>
+            <a:endCxn id="46" idx="0"/>
           </p:cNvCxnSpPr>
           <p:nvPr/>
         </p:nvCxnSpPr>
         <p:spPr>
           <a:xfrm>
             <a:off x="2898289" y="2177727"/>
-            <a:ext cx="271892" cy="2821"/>
-          </a:xfrm>
-          <a:prstGeom prst="bentConnector3">
-            <a:avLst>
-              <a:gd name="adj1" fmla="val 50000"/>
-            </a:avLst>
+            <a:ext cx="672271" cy="668435"/>
+          </a:xfrm>
+          <a:prstGeom prst="bentConnector2">
+            <a:avLst/>
           </a:prstGeom>
           <a:ln w="19050">
             <a:solidFill>
@@ -5946,6 +5798,330 @@
             <a:ext cx="373993" cy="217201"/>
           </a:xfrm>
           <a:prstGeom prst="bentConnector2">
+            <a:avLst/>
+          </a:prstGeom>
+          <a:ln w="19050">
+            <a:solidFill>
+              <a:srgbClr val="7030A0"/>
+            </a:solidFill>
+            <a:headEnd type="none" w="med" len="med"/>
+            <a:tailEnd type="arrow" w="med" len="med"/>
+          </a:ln>
+          <a:effectLst/>
+        </p:spPr>
+        <p:style>
+          <a:lnRef idx="1">
+            <a:schemeClr val="accent2"/>
+          </a:lnRef>
+          <a:fillRef idx="2">
+            <a:schemeClr val="accent2"/>
+          </a:fillRef>
+          <a:effectRef idx="1">
+            <a:schemeClr val="accent2"/>
+          </a:effectRef>
+          <a:fontRef idx="minor">
+            <a:schemeClr val="dk1"/>
+          </a:fontRef>
+        </p:style>
+      </p:cxnSp>
+      <p:sp>
+        <p:nvSpPr>
+          <p:cNvPr id="57" name="Rectangle 8">
+            <a:extLst>
+              <a:ext uri="{FF2B5EF4-FFF2-40B4-BE49-F238E27FC236}">
+                <a16:creationId xmlns:a16="http://schemas.microsoft.com/office/drawing/2014/main" id="{E099798F-4AA8-451A-B609-6D4F38A535D0}"/>
+              </a:ext>
+            </a:extLst>
+          </p:cNvPr>
+          <p:cNvSpPr/>
+          <p:nvPr/>
+        </p:nvSpPr>
+        <p:spPr>
+          <a:xfrm>
+            <a:off x="7712397" y="4852727"/>
+            <a:ext cx="708186" cy="285783"/>
+          </a:xfrm>
+          <a:prstGeom prst="rect">
+            <a:avLst/>
+          </a:prstGeom>
+          <a:ln w="19050">
+            <a:solidFill>
+              <a:srgbClr val="7030A0"/>
+            </a:solidFill>
+          </a:ln>
+          <a:effectLst/>
+        </p:spPr>
+        <p:style>
+          <a:lnRef idx="1">
+            <a:schemeClr val="accent4"/>
+          </a:lnRef>
+          <a:fillRef idx="2">
+            <a:schemeClr val="accent4"/>
+          </a:fillRef>
+          <a:effectRef idx="1">
+            <a:schemeClr val="accent4"/>
+          </a:effectRef>
+          <a:fontRef idx="minor">
+            <a:schemeClr val="dk1"/>
+          </a:fontRef>
+        </p:style>
+        <p:txBody>
+          <a:bodyPr rtlCol="0" anchor="ctr"/>
+          <a:lstStyle/>
+          <a:p>
+            <a:pPr algn="ctr"/>
+            <a:r>
+              <a:rPr lang="en-SG" sz="700" dirty="0" err="1">
+                <a:solidFill>
+                  <a:srgbClr val="7030A0"/>
+                </a:solidFill>
+              </a:rPr>
+              <a:t>DietCollection</a:t>
+            </a:r>
+            <a:endParaRPr lang="en-SG" sz="700" dirty="0">
+              <a:solidFill>
+                <a:srgbClr val="7030A0"/>
+              </a:solidFill>
+            </a:endParaRPr>
+          </a:p>
+        </p:txBody>
+      </p:sp>
+      <p:sp>
+        <p:nvSpPr>
+          <p:cNvPr id="59" name="Rectangle 8">
+            <a:extLst>
+              <a:ext uri="{FF2B5EF4-FFF2-40B4-BE49-F238E27FC236}">
+                <a16:creationId xmlns:a16="http://schemas.microsoft.com/office/drawing/2014/main" id="{B6F6BAFF-8C6F-4514-950A-650DDAEEB896}"/>
+              </a:ext>
+            </a:extLst>
+          </p:cNvPr>
+          <p:cNvSpPr/>
+          <p:nvPr/>
+        </p:nvSpPr>
+        <p:spPr>
+          <a:xfrm>
+            <a:off x="7712397" y="5200592"/>
+            <a:ext cx="708186" cy="285783"/>
+          </a:xfrm>
+          <a:prstGeom prst="rect">
+            <a:avLst/>
+          </a:prstGeom>
+          <a:ln w="19050">
+            <a:solidFill>
+              <a:srgbClr val="7030A0"/>
+            </a:solidFill>
+          </a:ln>
+          <a:effectLst/>
+        </p:spPr>
+        <p:style>
+          <a:lnRef idx="1">
+            <a:schemeClr val="accent4"/>
+          </a:lnRef>
+          <a:fillRef idx="2">
+            <a:schemeClr val="accent4"/>
+          </a:fillRef>
+          <a:effectRef idx="1">
+            <a:schemeClr val="accent4"/>
+          </a:effectRef>
+          <a:fontRef idx="minor">
+            <a:schemeClr val="dk1"/>
+          </a:fontRef>
+        </p:style>
+        <p:txBody>
+          <a:bodyPr rtlCol="0" anchor="ctr"/>
+          <a:lstStyle/>
+          <a:p>
+            <a:pPr algn="ctr"/>
+            <a:r>
+              <a:rPr lang="en-SG" sz="700" dirty="0" err="1">
+                <a:solidFill>
+                  <a:srgbClr val="7030A0"/>
+                </a:solidFill>
+              </a:rPr>
+              <a:t>VisitorList</a:t>
+            </a:r>
+            <a:endParaRPr lang="en-SG" sz="700" dirty="0">
+              <a:solidFill>
+                <a:srgbClr val="7030A0"/>
+              </a:solidFill>
+            </a:endParaRPr>
+          </a:p>
+        </p:txBody>
+      </p:sp>
+      <p:cxnSp>
+        <p:nvCxnSpPr>
+          <p:cNvPr id="77" name="Elbow Connector 80">
+            <a:extLst>
+              <a:ext uri="{FF2B5EF4-FFF2-40B4-BE49-F238E27FC236}">
+                <a16:creationId xmlns:a16="http://schemas.microsoft.com/office/drawing/2014/main" id="{4FD4159F-3F43-47E4-BA17-B43E5A39A099}"/>
+              </a:ext>
+            </a:extLst>
+          </p:cNvPr>
+          <p:cNvCxnSpPr>
+            <a:cxnSpLocks/>
+          </p:cNvCxnSpPr>
+          <p:nvPr/>
+        </p:nvCxnSpPr>
+        <p:spPr>
+          <a:xfrm rot="16200000" flipH="1">
+            <a:off x="7416799" y="4689952"/>
+            <a:ext cx="373993" cy="217201"/>
+          </a:xfrm>
+          <a:prstGeom prst="bentConnector2">
+            <a:avLst/>
+          </a:prstGeom>
+          <a:ln w="19050">
+            <a:solidFill>
+              <a:srgbClr val="7030A0"/>
+            </a:solidFill>
+            <a:headEnd type="none" w="med" len="med"/>
+            <a:tailEnd type="arrow" w="med" len="med"/>
+          </a:ln>
+          <a:effectLst/>
+        </p:spPr>
+        <p:style>
+          <a:lnRef idx="1">
+            <a:schemeClr val="accent2"/>
+          </a:lnRef>
+          <a:fillRef idx="2">
+            <a:schemeClr val="accent2"/>
+          </a:fillRef>
+          <a:effectRef idx="1">
+            <a:schemeClr val="accent2"/>
+          </a:effectRef>
+          <a:fontRef idx="minor">
+            <a:schemeClr val="dk1"/>
+          </a:fontRef>
+        </p:style>
+      </p:cxnSp>
+      <p:cxnSp>
+        <p:nvCxnSpPr>
+          <p:cNvPr id="82" name="Elbow Connector 80">
+            <a:extLst>
+              <a:ext uri="{FF2B5EF4-FFF2-40B4-BE49-F238E27FC236}">
+                <a16:creationId xmlns:a16="http://schemas.microsoft.com/office/drawing/2014/main" id="{1D83216D-CB35-4339-990B-04F8AA6C35A7}"/>
+              </a:ext>
+            </a:extLst>
+          </p:cNvPr>
+          <p:cNvCxnSpPr>
+            <a:cxnSpLocks/>
+          </p:cNvCxnSpPr>
+          <p:nvPr/>
+        </p:nvCxnSpPr>
+        <p:spPr>
+          <a:xfrm rot="16200000" flipH="1">
+            <a:off x="7416797" y="5013717"/>
+            <a:ext cx="373993" cy="217201"/>
+          </a:xfrm>
+          <a:prstGeom prst="bentConnector2">
+            <a:avLst/>
+          </a:prstGeom>
+          <a:ln w="19050">
+            <a:solidFill>
+              <a:srgbClr val="7030A0"/>
+            </a:solidFill>
+            <a:headEnd type="none" w="med" len="med"/>
+            <a:tailEnd type="arrow" w="med" len="med"/>
+          </a:ln>
+          <a:effectLst/>
+        </p:spPr>
+        <p:style>
+          <a:lnRef idx="1">
+            <a:schemeClr val="accent2"/>
+          </a:lnRef>
+          <a:fillRef idx="2">
+            <a:schemeClr val="accent2"/>
+          </a:fillRef>
+          <a:effectRef idx="1">
+            <a:schemeClr val="accent2"/>
+          </a:effectRef>
+          <a:fontRef idx="minor">
+            <a:schemeClr val="dk1"/>
+          </a:fontRef>
+        </p:style>
+      </p:cxnSp>
+      <p:sp>
+        <p:nvSpPr>
+          <p:cNvPr id="87" name="Rectangle 8">
+            <a:extLst>
+              <a:ext uri="{FF2B5EF4-FFF2-40B4-BE49-F238E27FC236}">
+                <a16:creationId xmlns:a16="http://schemas.microsoft.com/office/drawing/2014/main" id="{B2E8067A-A68E-4E81-9F2A-49F83518BF73}"/>
+              </a:ext>
+            </a:extLst>
+          </p:cNvPr>
+          <p:cNvSpPr/>
+          <p:nvPr/>
+        </p:nvSpPr>
+        <p:spPr>
+          <a:xfrm>
+            <a:off x="7712394" y="2204823"/>
+            <a:ext cx="708186" cy="285783"/>
+          </a:xfrm>
+          <a:prstGeom prst="rect">
+            <a:avLst/>
+          </a:prstGeom>
+          <a:ln w="19050">
+            <a:solidFill>
+              <a:srgbClr val="7030A0"/>
+            </a:solidFill>
+          </a:ln>
+          <a:effectLst/>
+        </p:spPr>
+        <p:style>
+          <a:lnRef idx="1">
+            <a:schemeClr val="accent4"/>
+          </a:lnRef>
+          <a:fillRef idx="2">
+            <a:schemeClr val="accent4"/>
+          </a:fillRef>
+          <a:effectRef idx="1">
+            <a:schemeClr val="accent4"/>
+          </a:effectRef>
+          <a:fontRef idx="minor">
+            <a:schemeClr val="dk1"/>
+          </a:fontRef>
+        </p:style>
+        <p:txBody>
+          <a:bodyPr rtlCol="0" anchor="ctr"/>
+          <a:lstStyle/>
+          <a:p>
+            <a:pPr algn="ctr"/>
+            <a:r>
+              <a:rPr lang="en-US" sz="1050" dirty="0" err="1">
+                <a:solidFill>
+                  <a:srgbClr val="7030A0"/>
+                </a:solidFill>
+              </a:rPr>
+              <a:t>Nric</a:t>
+            </a:r>
+            <a:endParaRPr lang="en-SG" sz="1050" dirty="0">
+              <a:solidFill>
+                <a:srgbClr val="7030A0"/>
+              </a:solidFill>
+            </a:endParaRPr>
+          </a:p>
+        </p:txBody>
+      </p:sp>
+      <p:cxnSp>
+        <p:nvCxnSpPr>
+          <p:cNvPr id="88" name="Elbow Connector 78">
+            <a:extLst>
+              <a:ext uri="{FF2B5EF4-FFF2-40B4-BE49-F238E27FC236}">
+                <a16:creationId xmlns:a16="http://schemas.microsoft.com/office/drawing/2014/main" id="{C57E4ED7-F0EA-452E-8B07-60D4ADA8FCBC}"/>
+              </a:ext>
+            </a:extLst>
+          </p:cNvPr>
+          <p:cNvCxnSpPr>
+            <a:cxnSpLocks/>
+          </p:cNvCxnSpPr>
+          <p:nvPr/>
+        </p:nvCxnSpPr>
+        <p:spPr>
+          <a:xfrm>
+            <a:off x="7495192" y="2359405"/>
+            <a:ext cx="217204" cy="1"/>
+          </a:xfrm>
+          <a:prstGeom prst="bentConnector3">
             <a:avLst/>
           </a:prstGeom>
           <a:ln w="19050">
